--- a/Design/PowerPoint/Projekt Marianne.pptx
+++ b/Design/PowerPoint/Projekt Marianne.pptx
@@ -6,6 +6,8 @@
   </p:sldMasterIdLst>
   <p:sldIdLst>
     <p:sldId id="256" r:id="rId2"/>
+    <p:sldId id="257" r:id="rId3"/>
+    <p:sldId id="258" r:id="rId4"/>
   </p:sldIdLst>
   <p:sldSz cx="12192000" cy="6858000"/>
   <p:notesSz cx="6858000" cy="9144000"/>
@@ -104,6 +106,11 @@
       </a:defRPr>
     </a:lvl9pPr>
   </p:defaultTextStyle>
+  <p:extLst>
+    <p:ext uri="{EFAFB233-063F-42B5-8137-9DF3F51BA10A}">
+      <p15:sldGuideLst xmlns:p15="http://schemas.microsoft.com/office/powerpoint/2012/main"/>
+    </p:ext>
+  </p:extLst>
 </p:presentation>
 </file>
 
@@ -299,7 +306,7 @@
             <a:fld id="{B61BEF0D-F0BB-DE4B-95CE-6DB70DBA9567}" type="datetimeFigureOut">
               <a:rPr lang="en-US" dirty="0"/>
               <a:pPr/>
-              <a:t>3/19/2019</a:t>
+              <a:t>3/20/2019</a:t>
             </a:fld>
             <a:endParaRPr lang="en-US" dirty="0"/>
           </a:p>
@@ -342,7 +349,7 @@
             <a:fld id="{D57F1E4F-1CFF-5643-939E-217C01CDF565}" type="slidenum">
               <a:rPr lang="en-US" dirty="0"/>
               <a:pPr/>
-              <a:t>‹#›</a:t>
+              <a:t>‹nr.›</a:t>
             </a:fld>
             <a:endParaRPr lang="en-US" dirty="0"/>
           </a:p>
@@ -732,7 +739,7 @@
             <a:fld id="{B61BEF0D-F0BB-DE4B-95CE-6DB70DBA9567}" type="datetimeFigureOut">
               <a:rPr lang="en-US" dirty="0"/>
               <a:pPr/>
-              <a:t>3/19/2019</a:t>
+              <a:t>3/20/2019</a:t>
             </a:fld>
             <a:endParaRPr lang="en-US" dirty="0"/>
           </a:p>
@@ -775,7 +782,7 @@
             <a:fld id="{D57F1E4F-1CFF-5643-939E-217C01CDF565}" type="slidenum">
               <a:rPr lang="en-US" dirty="0"/>
               <a:pPr/>
-              <a:t>‹#›</a:t>
+              <a:t>‹nr.›</a:t>
             </a:fld>
             <a:endParaRPr lang="en-US" dirty="0"/>
           </a:p>
@@ -979,7 +986,7 @@
             <a:fld id="{B61BEF0D-F0BB-DE4B-95CE-6DB70DBA9567}" type="datetimeFigureOut">
               <a:rPr lang="en-US" dirty="0"/>
               <a:pPr/>
-              <a:t>3/19/2019</a:t>
+              <a:t>3/20/2019</a:t>
             </a:fld>
             <a:endParaRPr lang="en-US" dirty="0"/>
           </a:p>
@@ -1022,7 +1029,7 @@
             <a:fld id="{D57F1E4F-1CFF-5643-939E-217C01CDF565}" type="slidenum">
               <a:rPr lang="en-US" dirty="0"/>
               <a:pPr/>
-              <a:t>‹#›</a:t>
+              <a:t>‹nr.›</a:t>
             </a:fld>
             <a:endParaRPr lang="en-US" dirty="0"/>
           </a:p>
@@ -1284,7 +1291,7 @@
             <a:fld id="{B61BEF0D-F0BB-DE4B-95CE-6DB70DBA9567}" type="datetimeFigureOut">
               <a:rPr lang="en-US" dirty="0"/>
               <a:pPr/>
-              <a:t>3/19/2019</a:t>
+              <a:t>3/20/2019</a:t>
             </a:fld>
             <a:endParaRPr lang="en-US" dirty="0"/>
           </a:p>
@@ -1327,7 +1334,7 @@
             <a:fld id="{D57F1E4F-1CFF-5643-939E-217C01CDF565}" type="slidenum">
               <a:rPr lang="en-US" dirty="0"/>
               <a:pPr/>
-              <a:t>‹#›</a:t>
+              <a:t>‹nr.›</a:t>
             </a:fld>
             <a:endParaRPr lang="en-US" dirty="0"/>
           </a:p>
@@ -1599,7 +1606,7 @@
             <a:fld id="{B61BEF0D-F0BB-DE4B-95CE-6DB70DBA9567}" type="datetimeFigureOut">
               <a:rPr lang="en-US" dirty="0"/>
               <a:pPr/>
-              <a:t>3/19/2019</a:t>
+              <a:t>3/20/2019</a:t>
             </a:fld>
             <a:endParaRPr lang="en-US" dirty="0"/>
           </a:p>
@@ -1642,7 +1649,7 @@
             <a:fld id="{D57F1E4F-1CFF-5643-939E-217C01CDF565}" type="slidenum">
               <a:rPr lang="en-US" dirty="0"/>
               <a:pPr/>
-              <a:t>‹#›</a:t>
+              <a:t>‹nr.›</a:t>
             </a:fld>
             <a:endParaRPr lang="en-US" dirty="0"/>
           </a:p>
@@ -1898,7 +1905,7 @@
             <a:fld id="{B61BEF0D-F0BB-DE4B-95CE-6DB70DBA9567}" type="datetimeFigureOut">
               <a:rPr lang="en-US" dirty="0"/>
               <a:pPr/>
-              <a:t>3/19/2019</a:t>
+              <a:t>3/20/2019</a:t>
             </a:fld>
             <a:endParaRPr lang="en-US" dirty="0"/>
           </a:p>
@@ -1941,7 +1948,7 @@
             <a:fld id="{D57F1E4F-1CFF-5643-939E-217C01CDF565}" type="slidenum">
               <a:rPr lang="en-US" dirty="0"/>
               <a:pPr/>
-              <a:t>‹#›</a:t>
+              <a:t>‹nr.›</a:t>
             </a:fld>
             <a:endParaRPr lang="en-US" dirty="0"/>
           </a:p>
@@ -2262,7 +2269,7 @@
             <a:fld id="{B61BEF0D-F0BB-DE4B-95CE-6DB70DBA9567}" type="datetimeFigureOut">
               <a:rPr lang="en-US" dirty="0"/>
               <a:pPr/>
-              <a:t>3/19/2019</a:t>
+              <a:t>3/20/2019</a:t>
             </a:fld>
             <a:endParaRPr lang="en-US" dirty="0"/>
           </a:p>
@@ -2305,7 +2312,7 @@
             <a:fld id="{D57F1E4F-1CFF-5643-939E-217C01CDF565}" type="slidenum">
               <a:rPr lang="en-US" dirty="0"/>
               <a:pPr/>
-              <a:t>‹#›</a:t>
+              <a:t>‹nr.›</a:t>
             </a:fld>
             <a:endParaRPr lang="en-US" dirty="0"/>
           </a:p>
@@ -2433,7 +2440,7 @@
             <a:fld id="{B61BEF0D-F0BB-DE4B-95CE-6DB70DBA9567}" type="datetimeFigureOut">
               <a:rPr lang="en-US" dirty="0"/>
               <a:pPr/>
-              <a:t>3/19/2019</a:t>
+              <a:t>3/20/2019</a:t>
             </a:fld>
             <a:endParaRPr lang="en-US" dirty="0"/>
           </a:p>
@@ -2476,7 +2483,7 @@
             <a:fld id="{D57F1E4F-1CFF-5643-939E-217C01CDF565}" type="slidenum">
               <a:rPr lang="en-US" dirty="0"/>
               <a:pPr/>
-              <a:t>‹#›</a:t>
+              <a:t>‹nr.›</a:t>
             </a:fld>
             <a:endParaRPr lang="en-US" dirty="0"/>
           </a:p>
@@ -2610,7 +2617,7 @@
             <a:fld id="{B61BEF0D-F0BB-DE4B-95CE-6DB70DBA9567}" type="datetimeFigureOut">
               <a:rPr lang="en-US" dirty="0"/>
               <a:pPr/>
-              <a:t>3/19/2019</a:t>
+              <a:t>3/20/2019</a:t>
             </a:fld>
             <a:endParaRPr lang="en-US" dirty="0"/>
           </a:p>
@@ -2653,7 +2660,7 @@
             <a:fld id="{D57F1E4F-1CFF-5643-939E-217C01CDF565}" type="slidenum">
               <a:rPr lang="en-US" dirty="0"/>
               <a:pPr/>
-              <a:t>‹#›</a:t>
+              <a:t>‹nr.›</a:t>
             </a:fld>
             <a:endParaRPr lang="en-US" dirty="0"/>
           </a:p>
@@ -2777,7 +2784,7 @@
             <a:fld id="{B61BEF0D-F0BB-DE4B-95CE-6DB70DBA9567}" type="datetimeFigureOut">
               <a:rPr lang="en-US" dirty="0"/>
               <a:pPr/>
-              <a:t>3/19/2019</a:t>
+              <a:t>3/20/2019</a:t>
             </a:fld>
             <a:endParaRPr lang="en-US" dirty="0"/>
           </a:p>
@@ -2820,7 +2827,7 @@
             <a:fld id="{D57F1E4F-1CFF-5643-939E-217C01CDF565}" type="slidenum">
               <a:rPr lang="en-US" dirty="0"/>
               <a:pPr/>
-              <a:t>‹#›</a:t>
+              <a:t>‹nr.›</a:t>
             </a:fld>
             <a:endParaRPr lang="en-US" dirty="0"/>
           </a:p>
@@ -3024,7 +3031,7 @@
             <a:fld id="{B61BEF0D-F0BB-DE4B-95CE-6DB70DBA9567}" type="datetimeFigureOut">
               <a:rPr lang="en-US" dirty="0"/>
               <a:pPr/>
-              <a:t>3/19/2019</a:t>
+              <a:t>3/20/2019</a:t>
             </a:fld>
             <a:endParaRPr lang="en-US" dirty="0"/>
           </a:p>
@@ -3067,7 +3074,7 @@
             <a:fld id="{D57F1E4F-1CFF-5643-939E-217C01CDF565}" type="slidenum">
               <a:rPr lang="en-US" dirty="0"/>
               <a:pPr/>
-              <a:t>‹#›</a:t>
+              <a:t>‹nr.›</a:t>
             </a:fld>
             <a:endParaRPr lang="en-US" dirty="0"/>
           </a:p>
@@ -3257,7 +3264,7 @@
             <a:fld id="{B61BEF0D-F0BB-DE4B-95CE-6DB70DBA9567}" type="datetimeFigureOut">
               <a:rPr lang="en-US" dirty="0"/>
               <a:pPr/>
-              <a:t>3/19/2019</a:t>
+              <a:t>3/20/2019</a:t>
             </a:fld>
             <a:endParaRPr lang="en-US" dirty="0"/>
           </a:p>
@@ -3300,7 +3307,7 @@
             <a:fld id="{D57F1E4F-1CFF-5643-939E-217C01CDF565}" type="slidenum">
               <a:rPr lang="en-US" dirty="0"/>
               <a:pPr/>
-              <a:t>‹#›</a:t>
+              <a:t>‹nr.›</a:t>
             </a:fld>
             <a:endParaRPr lang="en-US" dirty="0"/>
           </a:p>
@@ -3636,7 +3643,7 @@
             <a:fld id="{B61BEF0D-F0BB-DE4B-95CE-6DB70DBA9567}" type="datetimeFigureOut">
               <a:rPr lang="en-US" dirty="0"/>
               <a:pPr/>
-              <a:t>3/19/2019</a:t>
+              <a:t>3/20/2019</a:t>
             </a:fld>
             <a:endParaRPr lang="en-US" dirty="0"/>
           </a:p>
@@ -3679,7 +3686,7 @@
             <a:fld id="{D57F1E4F-1CFF-5643-939E-217C01CDF565}" type="slidenum">
               <a:rPr lang="en-US" dirty="0"/>
               <a:pPr/>
-              <a:t>‹#›</a:t>
+              <a:t>‹nr.›</a:t>
             </a:fld>
             <a:endParaRPr lang="en-US" dirty="0"/>
           </a:p>
@@ -3751,7 +3758,7 @@
             <a:fld id="{B61BEF0D-F0BB-DE4B-95CE-6DB70DBA9567}" type="datetimeFigureOut">
               <a:rPr lang="en-US" dirty="0"/>
               <a:pPr/>
-              <a:t>3/19/2019</a:t>
+              <a:t>3/20/2019</a:t>
             </a:fld>
             <a:endParaRPr lang="en-US" dirty="0"/>
           </a:p>
@@ -3794,7 +3801,7 @@
             <a:fld id="{D57F1E4F-1CFF-5643-939E-217C01CDF565}" type="slidenum">
               <a:rPr lang="en-US" dirty="0"/>
               <a:pPr/>
-              <a:t>‹#›</a:t>
+              <a:t>‹nr.›</a:t>
             </a:fld>
             <a:endParaRPr lang="en-US" dirty="0"/>
           </a:p>
@@ -3843,7 +3850,7 @@
             <a:fld id="{B61BEF0D-F0BB-DE4B-95CE-6DB70DBA9567}" type="datetimeFigureOut">
               <a:rPr lang="en-US" dirty="0"/>
               <a:pPr/>
-              <a:t>3/19/2019</a:t>
+              <a:t>3/20/2019</a:t>
             </a:fld>
             <a:endParaRPr lang="en-US" dirty="0"/>
           </a:p>
@@ -3886,7 +3893,7 @@
             <a:fld id="{D57F1E4F-1CFF-5643-939E-217C01CDF565}" type="slidenum">
               <a:rPr lang="en-US" dirty="0"/>
               <a:pPr/>
-              <a:t>‹#›</a:t>
+              <a:t>‹nr.›</a:t>
             </a:fld>
             <a:endParaRPr lang="en-US" dirty="0"/>
           </a:p>
@@ -4095,7 +4102,7 @@
             <a:fld id="{B61BEF0D-F0BB-DE4B-95CE-6DB70DBA9567}" type="datetimeFigureOut">
               <a:rPr lang="en-US" dirty="0"/>
               <a:pPr/>
-              <a:t>3/19/2019</a:t>
+              <a:t>3/20/2019</a:t>
             </a:fld>
             <a:endParaRPr lang="en-US" dirty="0"/>
           </a:p>
@@ -4138,7 +4145,7 @@
             <a:fld id="{D57F1E4F-1CFF-5643-939E-217C01CDF565}" type="slidenum">
               <a:rPr lang="en-US" dirty="0"/>
               <a:pPr/>
-              <a:t>‹#›</a:t>
+              <a:t>‹nr.›</a:t>
             </a:fld>
             <a:endParaRPr lang="en-US" dirty="0"/>
           </a:p>
@@ -4375,7 +4382,7 @@
             <a:fld id="{B61BEF0D-F0BB-DE4B-95CE-6DB70DBA9567}" type="datetimeFigureOut">
               <a:rPr lang="en-US" dirty="0"/>
               <a:pPr/>
-              <a:t>3/19/2019</a:t>
+              <a:t>3/20/2019</a:t>
             </a:fld>
             <a:endParaRPr lang="en-US" dirty="0"/>
           </a:p>
@@ -4418,7 +4425,7 @@
             <a:fld id="{D57F1E4F-1CFF-5643-939E-217C01CDF565}" type="slidenum">
               <a:rPr lang="en-US" dirty="0"/>
               <a:pPr/>
-              <a:t>‹#›</a:t>
+              <a:t>‹nr.›</a:t>
             </a:fld>
             <a:endParaRPr lang="en-US" dirty="0"/>
           </a:p>
@@ -4778,7 +4785,7 @@
             <a:fld id="{B61BEF0D-F0BB-DE4B-95CE-6DB70DBA9567}" type="datetimeFigureOut">
               <a:rPr lang="en-US" dirty="0"/>
               <a:pPr/>
-              <a:t>3/19/2019</a:t>
+              <a:t>3/20/2019</a:t>
             </a:fld>
             <a:endParaRPr lang="en-US" dirty="0"/>
           </a:p>
@@ -4861,7 +4868,7 @@
             <a:fld id="{D57F1E4F-1CFF-5643-939E-217C01CDF565}" type="slidenum">
               <a:rPr lang="en-US" dirty="0"/>
               <a:pPr/>
-              <a:t>‹#›</a:t>
+              <a:t>‹nr.›</a:t>
             </a:fld>
             <a:endParaRPr lang="en-US" dirty="0"/>
           </a:p>
@@ -5355,10 +5362,12 @@
         </p:nvSpPr>
         <p:spPr/>
         <p:txBody>
-          <a:bodyPr/>
-          <a:lstStyle/>
-          <a:p>
-            <a:endParaRPr lang="da-DK" dirty="0"/>
+          <a:bodyPr>
+            <a:normAutofit/>
+          </a:bodyPr>
+          <a:lstStyle/>
+          <a:p>
+            <a:endParaRPr lang="da-DK" sz="2000" dirty="0"/>
           </a:p>
         </p:txBody>
       </p:sp>
@@ -5366,6 +5375,457 @@
     <p:extLst>
       <p:ext uri="{BB962C8B-B14F-4D97-AF65-F5344CB8AC3E}">
         <p14:creationId xmlns:p14="http://schemas.microsoft.com/office/powerpoint/2010/main" val="4035697571"/>
+      </p:ext>
+    </p:extLst>
+  </p:cSld>
+  <p:clrMapOvr>
+    <a:masterClrMapping/>
+  </p:clrMapOvr>
+</p:sld>
+</file>
+
+<file path=ppt/slides/slide2.xml><?xml version="1.0" encoding="utf-8"?>
+<p:sld xmlns:a="http://schemas.openxmlformats.org/drawingml/2006/main" xmlns:r="http://schemas.openxmlformats.org/officeDocument/2006/relationships" xmlns:p="http://schemas.openxmlformats.org/presentationml/2006/main">
+  <p:cSld>
+    <p:spTree>
+      <p:nvGrpSpPr>
+        <p:cNvPr id="1" name=""/>
+        <p:cNvGrpSpPr/>
+        <p:nvPr/>
+      </p:nvGrpSpPr>
+      <p:grpSpPr>
+        <a:xfrm>
+          <a:off x="0" y="0"/>
+          <a:ext cx="0" cy="0"/>
+          <a:chOff x="0" y="0"/>
+          <a:chExt cx="0" cy="0"/>
+        </a:xfrm>
+      </p:grpSpPr>
+      <p:sp>
+        <p:nvSpPr>
+          <p:cNvPr id="2" name="Titel 1">
+            <a:extLst>
+              <a:ext uri="{FF2B5EF4-FFF2-40B4-BE49-F238E27FC236}">
+                <a16:creationId xmlns:a16="http://schemas.microsoft.com/office/drawing/2014/main" id="{A54D3BD3-E171-42C8-B33A-A85887DC72C6}"/>
+              </a:ext>
+            </a:extLst>
+          </p:cNvPr>
+          <p:cNvSpPr>
+            <a:spLocks noGrp="1"/>
+          </p:cNvSpPr>
+          <p:nvPr>
+            <p:ph type="title"/>
+          </p:nvPr>
+        </p:nvSpPr>
+        <p:spPr>
+          <a:xfrm>
+            <a:off x="392664" y="290812"/>
+            <a:ext cx="8534400" cy="1507067"/>
+          </a:xfrm>
+        </p:spPr>
+        <p:txBody>
+          <a:bodyPr/>
+          <a:lstStyle/>
+          <a:p>
+            <a:r>
+              <a:rPr lang="da-DK" dirty="0" err="1"/>
+              <a:t>Use</a:t>
+            </a:r>
+            <a:r>
+              <a:rPr lang="da-DK" dirty="0"/>
+              <a:t> case 0: Login &amp; Menu</a:t>
+            </a:r>
+          </a:p>
+        </p:txBody>
+      </p:sp>
+      <p:sp>
+        <p:nvSpPr>
+          <p:cNvPr id="3" name="Pladsholder til indhold 2">
+            <a:extLst>
+              <a:ext uri="{FF2B5EF4-FFF2-40B4-BE49-F238E27FC236}">
+                <a16:creationId xmlns:a16="http://schemas.microsoft.com/office/drawing/2014/main" id="{65EB9FC9-EEFE-477A-B018-CEFD5E7E2D59}"/>
+              </a:ext>
+            </a:extLst>
+          </p:cNvPr>
+          <p:cNvSpPr>
+            <a:spLocks noGrp="1"/>
+          </p:cNvSpPr>
+          <p:nvPr>
+            <p:ph idx="1"/>
+          </p:nvPr>
+        </p:nvSpPr>
+        <p:spPr>
+          <a:xfrm>
+            <a:off x="392664" y="1934817"/>
+            <a:ext cx="4007058" cy="1696279"/>
+          </a:xfrm>
+        </p:spPr>
+        <p:txBody>
+          <a:bodyPr>
+            <a:normAutofit/>
+          </a:bodyPr>
+          <a:lstStyle/>
+          <a:p>
+            <a:pPr marL="0" indent="0">
+              <a:buNone/>
+            </a:pPr>
+            <a:endParaRPr lang="da-DK" dirty="0"/>
+          </a:p>
+          <a:p>
+            <a:pPr marL="0" indent="0">
+              <a:buNone/>
+            </a:pPr>
+            <a:r>
+              <a:rPr lang="da-DK" dirty="0">
+                <a:solidFill>
+                  <a:schemeClr val="tx1">
+                    <a:lumMod val="95000"/>
+                  </a:schemeClr>
+                </a:solidFill>
+              </a:rPr>
+              <a:t>Leder</a:t>
+            </a:r>
+          </a:p>
+          <a:p>
+            <a:pPr marL="0" indent="0">
+              <a:buNone/>
+            </a:pPr>
+            <a:r>
+              <a:rPr lang="da-DK" dirty="0">
+                <a:solidFill>
+                  <a:schemeClr val="tx1">
+                    <a:lumMod val="95000"/>
+                  </a:schemeClr>
+                </a:solidFill>
+              </a:rPr>
+              <a:t>Medarbejder</a:t>
+            </a:r>
+          </a:p>
+        </p:txBody>
+      </p:sp>
+      <p:pic>
+        <p:nvPicPr>
+          <p:cNvPr id="1026" name="Picture 2" descr="https://scontent-arn2-1.xx.fbcdn.net/v/t1.15752-9/55450487_2549117245102645_3395957879906238464_n.jpg?_nc_cat=106&amp;_nc_ht=scontent-arn2-1.xx&amp;oh=eda6aabb1d406497eb28dd85e94da664&amp;oe=5D1BAA94">
+            <a:extLst>
+              <a:ext uri="{FF2B5EF4-FFF2-40B4-BE49-F238E27FC236}">
+                <a16:creationId xmlns:a16="http://schemas.microsoft.com/office/drawing/2014/main" id="{3DEA2AAB-A933-4C2B-B933-7BC10DFB0C2F}"/>
+              </a:ext>
+            </a:extLst>
+          </p:cNvPr>
+          <p:cNvPicPr>
+            <a:picLocks noChangeAspect="1" noChangeArrowheads="1"/>
+          </p:cNvPicPr>
+          <p:nvPr/>
+        </p:nvPicPr>
+        <p:blipFill>
+          <a:blip r:embed="rId2">
+            <a:extLst>
+              <a:ext uri="{28A0092B-C50C-407E-A947-70E740481C1C}">
+                <a14:useLocalDpi xmlns:a14="http://schemas.microsoft.com/office/drawing/2010/main" val="0"/>
+              </a:ext>
+            </a:extLst>
+          </a:blip>
+          <a:srcRect/>
+          <a:stretch>
+            <a:fillRect/>
+          </a:stretch>
+        </p:blipFill>
+        <p:spPr bwMode="auto">
+          <a:xfrm>
+            <a:off x="6387547" y="1341782"/>
+            <a:ext cx="5565913" cy="4174435"/>
+          </a:xfrm>
+          <a:prstGeom prst="rect">
+            <a:avLst/>
+          </a:prstGeom>
+          <a:noFill/>
+          <a:extLst>
+            <a:ext uri="{909E8E84-426E-40DD-AFC4-6F175D3DCCD1}">
+              <a14:hiddenFill xmlns:a14="http://schemas.microsoft.com/office/drawing/2010/main">
+                <a:solidFill>
+                  <a:srgbClr val="FFFFFF"/>
+                </a:solidFill>
+              </a14:hiddenFill>
+            </a:ext>
+          </a:extLst>
+        </p:spPr>
+      </p:pic>
+    </p:spTree>
+    <p:extLst>
+      <p:ext uri="{BB962C8B-B14F-4D97-AF65-F5344CB8AC3E}">
+        <p14:creationId xmlns:p14="http://schemas.microsoft.com/office/powerpoint/2010/main" val="698748505"/>
+      </p:ext>
+    </p:extLst>
+  </p:cSld>
+  <p:clrMapOvr>
+    <a:masterClrMapping/>
+  </p:clrMapOvr>
+</p:sld>
+</file>
+
+<file path=ppt/slides/slide3.xml><?xml version="1.0" encoding="utf-8"?>
+<p:sld xmlns:a="http://schemas.openxmlformats.org/drawingml/2006/main" xmlns:r="http://schemas.openxmlformats.org/officeDocument/2006/relationships" xmlns:p="http://schemas.openxmlformats.org/presentationml/2006/main">
+  <p:cSld>
+    <p:spTree>
+      <p:nvGrpSpPr>
+        <p:cNvPr id="1" name=""/>
+        <p:cNvGrpSpPr/>
+        <p:nvPr/>
+      </p:nvGrpSpPr>
+      <p:grpSpPr>
+        <a:xfrm>
+          <a:off x="0" y="0"/>
+          <a:ext cx="0" cy="0"/>
+          <a:chOff x="0" y="0"/>
+          <a:chExt cx="0" cy="0"/>
+        </a:xfrm>
+      </p:grpSpPr>
+      <p:sp>
+        <p:nvSpPr>
+          <p:cNvPr id="2" name="Titel 1">
+            <a:extLst>
+              <a:ext uri="{FF2B5EF4-FFF2-40B4-BE49-F238E27FC236}">
+                <a16:creationId xmlns:a16="http://schemas.microsoft.com/office/drawing/2014/main" id="{979B1737-2B1F-4AA3-BEA3-6926C5FB78CD}"/>
+              </a:ext>
+            </a:extLst>
+          </p:cNvPr>
+          <p:cNvSpPr>
+            <a:spLocks noGrp="1"/>
+          </p:cNvSpPr>
+          <p:nvPr>
+            <p:ph type="title"/>
+          </p:nvPr>
+        </p:nvSpPr>
+        <p:spPr>
+          <a:xfrm>
+            <a:off x="167377" y="418915"/>
+            <a:ext cx="8534400" cy="1507067"/>
+          </a:xfrm>
+        </p:spPr>
+        <p:txBody>
+          <a:bodyPr/>
+          <a:lstStyle/>
+          <a:p>
+            <a:r>
+              <a:rPr lang="da-DK" dirty="0" err="1"/>
+              <a:t>Use</a:t>
+            </a:r>
+            <a:r>
+              <a:rPr lang="da-DK" dirty="0"/>
+              <a:t> case 5: Opret barn</a:t>
+            </a:r>
+          </a:p>
+        </p:txBody>
+      </p:sp>
+      <p:sp>
+        <p:nvSpPr>
+          <p:cNvPr id="3" name="Pladsholder til indhold 2">
+            <a:extLst>
+              <a:ext uri="{FF2B5EF4-FFF2-40B4-BE49-F238E27FC236}">
+                <a16:creationId xmlns:a16="http://schemas.microsoft.com/office/drawing/2014/main" id="{C2CC29AA-5391-4D28-924D-46F37E9CFA27}"/>
+              </a:ext>
+            </a:extLst>
+          </p:cNvPr>
+          <p:cNvSpPr>
+            <a:spLocks noGrp="1"/>
+          </p:cNvSpPr>
+          <p:nvPr>
+            <p:ph idx="1"/>
+          </p:nvPr>
+        </p:nvSpPr>
+        <p:spPr>
+          <a:xfrm>
+            <a:off x="167377" y="2501347"/>
+            <a:ext cx="8534400" cy="3615267"/>
+          </a:xfrm>
+        </p:spPr>
+        <p:txBody>
+          <a:bodyPr/>
+          <a:lstStyle/>
+          <a:p>
+            <a:r>
+              <a:rPr lang="da-DK" dirty="0" err="1">
+                <a:solidFill>
+                  <a:schemeClr val="tx1"/>
+                </a:solidFill>
+              </a:rPr>
+              <a:t>Stakerholders</a:t>
+            </a:r>
+            <a:r>
+              <a:rPr lang="da-DK" dirty="0">
+                <a:solidFill>
+                  <a:schemeClr val="tx1"/>
+                </a:solidFill>
+              </a:rPr>
+              <a:t>:</a:t>
+            </a:r>
+            <a:br>
+              <a:rPr lang="da-DK" dirty="0">
+                <a:solidFill>
+                  <a:schemeClr val="tx1"/>
+                </a:solidFill>
+              </a:rPr>
+            </a:br>
+            <a:r>
+              <a:rPr lang="da-DK" dirty="0">
+                <a:solidFill>
+                  <a:schemeClr val="tx1"/>
+                </a:solidFill>
+              </a:rPr>
+              <a:t>Manager</a:t>
+            </a:r>
+            <a:br>
+              <a:rPr lang="da-DK" dirty="0">
+                <a:solidFill>
+                  <a:schemeClr val="tx1"/>
+                </a:solidFill>
+              </a:rPr>
+            </a:br>
+            <a:r>
+              <a:rPr lang="da-DK" dirty="0" err="1">
+                <a:solidFill>
+                  <a:schemeClr val="tx1"/>
+                </a:solidFill>
+              </a:rPr>
+              <a:t>Staff</a:t>
+            </a:r>
+            <a:br>
+              <a:rPr lang="da-DK" dirty="0">
+                <a:solidFill>
+                  <a:schemeClr val="tx1"/>
+                </a:solidFill>
+              </a:rPr>
+            </a:br>
+            <a:r>
+              <a:rPr lang="da-DK" dirty="0">
+                <a:solidFill>
+                  <a:schemeClr val="tx1"/>
+                </a:solidFill>
+              </a:rPr>
+              <a:t>Kids</a:t>
+            </a:r>
+            <a:br>
+              <a:rPr lang="da-DK" dirty="0">
+                <a:solidFill>
+                  <a:schemeClr val="tx1"/>
+                </a:solidFill>
+              </a:rPr>
+            </a:br>
+            <a:r>
+              <a:rPr lang="da-DK" dirty="0" err="1">
+                <a:solidFill>
+                  <a:schemeClr val="tx1"/>
+                </a:solidFill>
+              </a:rPr>
+              <a:t>Parents</a:t>
+            </a:r>
+            <a:endParaRPr lang="da-DK" dirty="0">
+              <a:solidFill>
+                <a:schemeClr val="tx1"/>
+              </a:solidFill>
+            </a:endParaRPr>
+          </a:p>
+          <a:p>
+            <a:r>
+              <a:rPr lang="da-DK" dirty="0">
+                <a:solidFill>
+                  <a:schemeClr val="tx1"/>
+                </a:solidFill>
+              </a:rPr>
+              <a:t>Basic flow &amp; </a:t>
+            </a:r>
+            <a:r>
+              <a:rPr lang="da-DK" dirty="0" err="1">
+                <a:solidFill>
+                  <a:schemeClr val="tx1"/>
+                </a:solidFill>
+              </a:rPr>
+              <a:t>alternate</a:t>
+            </a:r>
+            <a:r>
+              <a:rPr lang="da-DK" dirty="0">
+                <a:solidFill>
+                  <a:schemeClr val="tx1"/>
+                </a:solidFill>
+              </a:rPr>
+              <a:t> flow</a:t>
+            </a:r>
+          </a:p>
+          <a:p>
+            <a:r>
+              <a:rPr lang="da-DK" dirty="0">
+                <a:solidFill>
+                  <a:schemeClr val="tx1"/>
+                </a:solidFill>
+              </a:rPr>
+              <a:t>Special </a:t>
+            </a:r>
+            <a:r>
+              <a:rPr lang="da-DK">
+                <a:solidFill>
+                  <a:schemeClr val="tx1"/>
+                </a:solidFill>
+              </a:rPr>
+              <a:t>Requirements</a:t>
+            </a:r>
+            <a:br>
+              <a:rPr lang="da-DK" dirty="0"/>
+            </a:br>
+            <a:endParaRPr lang="da-DK" dirty="0"/>
+          </a:p>
+        </p:txBody>
+      </p:sp>
+      <p:pic>
+        <p:nvPicPr>
+          <p:cNvPr id="2050" name="Picture 2" descr="https://scontent-arn2-1.xx.fbcdn.net/v/t1.15752-9/54518135_2187448481584635_1099290587284111360_n.jpg?_nc_cat=108&amp;_nc_ht=scontent-arn2-1.xx&amp;oh=b1f63202b6f2c1f413bb70669b8e5fbf&amp;oe=5D090CB0">
+            <a:extLst>
+              <a:ext uri="{FF2B5EF4-FFF2-40B4-BE49-F238E27FC236}">
+                <a16:creationId xmlns:a16="http://schemas.microsoft.com/office/drawing/2014/main" id="{F2BE859D-CB02-40DB-826C-15735EDCFCCD}"/>
+              </a:ext>
+            </a:extLst>
+          </p:cNvPr>
+          <p:cNvPicPr>
+            <a:picLocks noChangeAspect="1" noChangeArrowheads="1"/>
+          </p:cNvPicPr>
+          <p:nvPr/>
+        </p:nvPicPr>
+        <p:blipFill>
+          <a:blip r:embed="rId2">
+            <a:extLst>
+              <a:ext uri="{28A0092B-C50C-407E-A947-70E740481C1C}">
+                <a14:useLocalDpi xmlns:a14="http://schemas.microsoft.com/office/drawing/2010/main" val="0"/>
+              </a:ext>
+            </a:extLst>
+          </a:blip>
+          <a:srcRect/>
+          <a:stretch>
+            <a:fillRect/>
+          </a:stretch>
+        </p:blipFill>
+        <p:spPr bwMode="auto">
+          <a:xfrm>
+            <a:off x="5305771" y="1399946"/>
+            <a:ext cx="6718852" cy="5039139"/>
+          </a:xfrm>
+          <a:prstGeom prst="rect">
+            <a:avLst/>
+          </a:prstGeom>
+          <a:noFill/>
+          <a:extLst>
+            <a:ext uri="{909E8E84-426E-40DD-AFC4-6F175D3DCCD1}">
+              <a14:hiddenFill xmlns:a14="http://schemas.microsoft.com/office/drawing/2010/main">
+                <a:solidFill>
+                  <a:srgbClr val="FFFFFF"/>
+                </a:solidFill>
+              </a14:hiddenFill>
+            </a:ext>
+          </a:extLst>
+        </p:spPr>
+      </p:pic>
+    </p:spTree>
+    <p:extLst>
+      <p:ext uri="{BB962C8B-B14F-4D97-AF65-F5344CB8AC3E}">
+        <p14:creationId xmlns:p14="http://schemas.microsoft.com/office/powerpoint/2010/main" val="3466075396"/>
       </p:ext>
     </p:extLst>
   </p:cSld>
